--- a/folien/week4.pptx
+++ b/folien/week4.pptx
@@ -5,17 +5,18 @@
     <p:sldMasterId id="2147483664" r:id="rId1"/>
   </p:sldMasterIdLst>
   <p:notesMasterIdLst>
-    <p:notesMasterId r:id="rId10"/>
+    <p:notesMasterId r:id="rId11"/>
   </p:notesMasterIdLst>
   <p:sldIdLst>
     <p:sldId id="257" r:id="rId2"/>
     <p:sldId id="292" r:id="rId3"/>
     <p:sldId id="293" r:id="rId4"/>
     <p:sldId id="287" r:id="rId5"/>
-    <p:sldId id="294" r:id="rId6"/>
-    <p:sldId id="295" r:id="rId7"/>
-    <p:sldId id="291" r:id="rId8"/>
-    <p:sldId id="270" r:id="rId9"/>
+    <p:sldId id="296" r:id="rId6"/>
+    <p:sldId id="294" r:id="rId7"/>
+    <p:sldId id="295" r:id="rId8"/>
+    <p:sldId id="291" r:id="rId9"/>
+    <p:sldId id="270" r:id="rId10"/>
   </p:sldIdLst>
   <p:sldSz cx="9144000" cy="5143500" type="screen16x9"/>
   <p:notesSz cx="6858000" cy="9144000"/>
@@ -123,6 +124,7 @@
             <p14:sldId id="292"/>
             <p14:sldId id="293"/>
             <p14:sldId id="287"/>
+            <p14:sldId id="296"/>
             <p14:sldId id="294"/>
             <p14:sldId id="295"/>
             <p14:sldId id="291"/>
@@ -231,7 +233,7 @@
           <a:p>
             <a:fld id="{21C000D9-2858-4F4C-AF5C-64F79A7C2410}" type="datetimeFigureOut">
               <a:rPr lang="en-US" smtClean="0"/>
-              <a:t>11/2/2021</a:t>
+              <a:t>11/3/2021</a:t>
             </a:fld>
             <a:endParaRPr lang="en-US"/>
           </a:p>
@@ -389,7 +391,7 @@
           <a:p>
             <a:fld id="{C347FAF7-5C4E-4642-B377-C3A2CDCC9DA1}" type="slidenum">
               <a:rPr lang="en-US" smtClean="0"/>
-              <a:t>‹#›</a:t>
+              <a:t>‹Nr.›</a:t>
             </a:fld>
             <a:endParaRPr lang="en-US"/>
           </a:p>
@@ -553,6 +555,41 @@
             <a:endParaRPr lang="de-DE" dirty="0"/>
           </a:p>
           <a:p>
+            <a:endParaRPr lang="de-DE" dirty="0" smtClean="0"/>
+          </a:p>
+          <a:p>
+            <a:r>
+              <a:rPr lang="de-DE" dirty="0" smtClean="0"/>
+              <a:t>Menschen haben zu jeder Zeit anders gedacht,</a:t>
+            </a:r>
+          </a:p>
+          <a:p>
+            <a:r>
+              <a:rPr lang="de-DE" dirty="0" smtClean="0"/>
+              <a:t>gemeinsame Antworten als Sinnentwürfe </a:t>
+            </a:r>
+          </a:p>
+          <a:p>
+            <a:r>
+              <a:rPr lang="de-DE" dirty="0" smtClean="0"/>
+              <a:t>ohne Kultur überlebensfähig? ethischen Fragen</a:t>
+            </a:r>
+          </a:p>
+          <a:p>
+            <a:r>
+              <a:rPr lang="de-DE" dirty="0" smtClean="0"/>
+              <a:t>Anachronistisch / </a:t>
+            </a:r>
+            <a:r>
+              <a:rPr lang="de-DE" dirty="0" err="1" smtClean="0"/>
+              <a:t>kairotisch</a:t>
+            </a:r>
+            <a:endParaRPr lang="de-DE" dirty="0" smtClean="0"/>
+          </a:p>
+          <a:p>
+            <a:endParaRPr lang="de-DE" dirty="0" smtClean="0"/>
+          </a:p>
+          <a:p>
             <a:endParaRPr lang="de-DE" dirty="0"/>
           </a:p>
         </p:txBody>
@@ -658,7 +695,7 @@
           <a:p>
             <a:fld id="{C347FAF7-5C4E-4642-B377-C3A2CDCC9DA1}" type="slidenum">
               <a:rPr lang="en-US" smtClean="0"/>
-              <a:t>8</a:t>
+              <a:t>9</a:t>
             </a:fld>
             <a:endParaRPr lang="en-US"/>
           </a:p>
@@ -929,7 +966,7 @@
             <a:fld id="{63CECEBB-547B-4598-95D8-3FB4D608B5D5}" type="slidenum">
               <a:rPr lang="de-DE" smtClean="0"/>
               <a:pPr/>
-              <a:t>‹#›</a:t>
+              <a:t>‹Nr.›</a:t>
             </a:fld>
             <a:endParaRPr lang="de-DE" dirty="0"/>
           </a:p>
@@ -1197,7 +1234,7 @@
             <a:fld id="{63CECEBB-547B-4598-95D8-3FB4D608B5D5}" type="slidenum">
               <a:rPr lang="de-DE" smtClean="0"/>
               <a:pPr/>
-              <a:t>‹#›</a:t>
+              <a:t>‹Nr.›</a:t>
             </a:fld>
             <a:endParaRPr lang="de-DE" dirty="0"/>
           </a:p>
@@ -1455,7 +1492,7 @@
             <a:fld id="{63CECEBB-547B-4598-95D8-3FB4D608B5D5}" type="slidenum">
               <a:rPr lang="de-DE" smtClean="0"/>
               <a:pPr/>
-              <a:t>‹#›</a:t>
+              <a:t>‹Nr.›</a:t>
             </a:fld>
             <a:endParaRPr lang="de-DE" dirty="0"/>
           </a:p>
@@ -1714,7 +1751,7 @@
             <a:fld id="{63CECEBB-547B-4598-95D8-3FB4D608B5D5}" type="slidenum">
               <a:rPr lang="de-DE" smtClean="0"/>
               <a:pPr/>
-              <a:t>‹#›</a:t>
+              <a:t>‹Nr.›</a:t>
             </a:fld>
             <a:endParaRPr lang="de-DE" dirty="0"/>
           </a:p>
@@ -1970,7 +2007,7 @@
             <a:fld id="{63CECEBB-547B-4598-95D8-3FB4D608B5D5}" type="slidenum">
               <a:rPr lang="de-DE" smtClean="0"/>
               <a:pPr/>
-              <a:t>‹#›</a:t>
+              <a:t>‹Nr.›</a:t>
             </a:fld>
             <a:endParaRPr lang="de-DE" dirty="0"/>
           </a:p>
@@ -2152,7 +2189,7 @@
             <a:fld id="{63CECEBB-547B-4598-95D8-3FB4D608B5D5}" type="slidenum">
               <a:rPr lang="de-DE" smtClean="0"/>
               <a:pPr/>
-              <a:t>‹#›</a:t>
+              <a:t>‹Nr.›</a:t>
             </a:fld>
             <a:endParaRPr lang="de-DE" dirty="0"/>
           </a:p>
@@ -3342,6 +3379,13 @@
   <p:clrMapOvr>
     <a:masterClrMapping/>
   </p:clrMapOvr>
+  <p:timing>
+    <p:tnLst>
+      <p:par>
+        <p:cTn id="1" dur="indefinite" restart="never" nodeType="tmRoot"/>
+      </p:par>
+    </p:tnLst>
+  </p:timing>
 </p:sld>
 </file>
 
@@ -3524,6 +3568,13 @@
   <p:clrMapOvr>
     <a:masterClrMapping/>
   </p:clrMapOvr>
+  <p:timing>
+    <p:tnLst>
+      <p:par>
+        <p:cTn id="1" dur="indefinite" restart="never" nodeType="tmRoot"/>
+      </p:par>
+    </p:tnLst>
+  </p:timing>
 </p:sld>
 </file>
 
@@ -3691,6 +3742,13 @@
   <p:clrMapOvr>
     <a:masterClrMapping/>
   </p:clrMapOvr>
+  <p:timing>
+    <p:tnLst>
+      <p:par>
+        <p:cTn id="1" dur="indefinite" restart="never" nodeType="tmRoot"/>
+      </p:par>
+    </p:tnLst>
+  </p:timing>
 </p:sld>
 </file>
 
@@ -3761,14 +3819,12 @@
           <a:lstStyle/>
           <a:p>
             <a:r>
+              <a:rPr lang="de-DE" sz="1600" dirty="0" smtClean="0"/>
+              <a:t>Zeitgemäßen </a:t>
+            </a:r>
+            <a:r>
               <a:rPr lang="de-DE" sz="1600" dirty="0"/>
-              <a:t>Wichtig, weil?</a:t>
-            </a:r>
-          </a:p>
-          <a:p>
-            <a:r>
-              <a:rPr lang="de-DE" sz="1600" dirty="0"/>
-              <a:t>Zeitgemäßen Bildung</a:t>
+              <a:t>Bildung</a:t>
             </a:r>
           </a:p>
           <a:p>
@@ -3845,33 +3901,83 @@
           <a:lstStyle/>
           <a:p>
             <a:r>
+              <a:rPr lang="de-DE" sz="1600" dirty="0" smtClean="0"/>
+              <a:t>Bildungsschmerz </a:t>
+            </a:r>
+            <a:r>
               <a:rPr lang="de-DE" sz="1600" dirty="0"/>
-              <a:t>Bildungsschmerz</a:t>
-            </a:r>
-          </a:p>
-          <a:p>
+              <a:t>(</a:t>
+            </a:r>
+            <a:r>
+              <a:rPr lang="de-DE" sz="1600" dirty="0" err="1"/>
+              <a:t>Platon‘s</a:t>
+            </a:r>
             <a:r>
               <a:rPr lang="de-DE" sz="1600" dirty="0"/>
-              <a:t>Sich fremd werden, </a:t>
-            </a:r>
-          </a:p>
-          <a:p>
+              <a:t> </a:t>
+            </a:r>
+            <a:r>
+              <a:rPr lang="de-DE" sz="1600" dirty="0" err="1"/>
+              <a:t>Hoehlengleichnis</a:t>
+            </a:r>
             <a:r>
               <a:rPr lang="de-DE" sz="1600" dirty="0"/>
-              <a:t>Warten können, </a:t>
-            </a:r>
+              <a:t>)</a:t>
+            </a:r>
+            <a:endParaRPr lang="de-DE" sz="1600" dirty="0"/>
           </a:p>
           <a:p>
             <a:r>
               <a:rPr lang="de-DE" sz="1600" dirty="0"/>
+              <a:t>Sich fremd </a:t>
+            </a:r>
+            <a:r>
+              <a:rPr lang="de-DE" sz="1600" dirty="0" smtClean="0"/>
+              <a:t>werden</a:t>
+            </a:r>
+            <a:r>
+              <a:rPr lang="de-DE" sz="1600" dirty="0"/>
+              <a:t> </a:t>
+            </a:r>
+            <a:r>
+              <a:rPr lang="de-DE" sz="1600" dirty="0" smtClean="0"/>
+              <a:t>(Robert Musil)</a:t>
+            </a:r>
+            <a:endParaRPr lang="de-DE" sz="1600" dirty="0" smtClean="0"/>
+          </a:p>
+          <a:p>
+            <a:r>
+              <a:rPr lang="de-DE" sz="1600" dirty="0" smtClean="0"/>
+              <a:t>Gegenstand von Bildung</a:t>
+            </a:r>
+            <a:r>
+              <a:rPr lang="de-DE" sz="1600" dirty="0" smtClean="0"/>
+              <a:t> (Humboldt)</a:t>
+            </a:r>
+            <a:endParaRPr lang="de-DE" sz="1600" dirty="0"/>
+          </a:p>
+          <a:p>
+            <a:r>
+              <a:rPr lang="de-DE" sz="1600" dirty="0" smtClean="0"/>
+              <a:t>Verzögerung / Warten können (Adorno)</a:t>
+            </a:r>
+            <a:endParaRPr lang="de-DE" sz="1600" dirty="0"/>
+          </a:p>
+          <a:p>
+            <a:r>
+              <a:rPr lang="de-DE" sz="1600" dirty="0" smtClean="0"/>
               <a:t>kulturelles Gedächtnis</a:t>
             </a:r>
           </a:p>
           <a:p>
             <a:r>
               <a:rPr lang="de-DE" sz="1600" dirty="0"/>
-              <a:t>Höhlengleichnis von Platon</a:t>
-            </a:r>
+              <a:t>Kulturgüter (Ernst Cassirer)</a:t>
+            </a:r>
+            <a:endParaRPr lang="de-DE" sz="1600" dirty="0"/>
+          </a:p>
+          <a:p>
+            <a:endParaRPr lang="de-DE" sz="1600" dirty="0"/>
           </a:p>
           <a:p>
             <a:endParaRPr lang="de-DE" sz="1600" dirty="0"/>
@@ -3891,10 +3997,125 @@
   <p:clrMapOvr>
     <a:masterClrMapping/>
   </p:clrMapOvr>
+  <p:timing>
+    <p:tnLst>
+      <p:par>
+        <p:cTn id="1" dur="indefinite" restart="never" nodeType="tmRoot"/>
+      </p:par>
+    </p:tnLst>
+  </p:timing>
 </p:sld>
 </file>
 
 <file path=ppt/slides/slide5.xml><?xml version="1.0" encoding="utf-8"?>
+<p:sld xmlns:a="http://schemas.openxmlformats.org/drawingml/2006/main" xmlns:r="http://schemas.openxmlformats.org/officeDocument/2006/relationships" xmlns:p="http://schemas.openxmlformats.org/presentationml/2006/main">
+  <p:cSld>
+    <p:spTree>
+      <p:nvGrpSpPr>
+        <p:cNvPr id="1" name=""/>
+        <p:cNvGrpSpPr/>
+        <p:nvPr/>
+      </p:nvGrpSpPr>
+      <p:grpSpPr>
+        <a:xfrm>
+          <a:off x="0" y="0"/>
+          <a:ext cx="0" cy="0"/>
+          <a:chOff x="0" y="0"/>
+          <a:chExt cx="0" cy="0"/>
+        </a:xfrm>
+      </p:grpSpPr>
+      <p:sp>
+        <p:nvSpPr>
+          <p:cNvPr id="2" name="Titel 1"/>
+          <p:cNvSpPr>
+            <a:spLocks noGrp="1"/>
+          </p:cNvSpPr>
+          <p:nvPr>
+            <p:ph type="title"/>
+          </p:nvPr>
+        </p:nvSpPr>
+        <p:spPr/>
+        <p:txBody>
+          <a:bodyPr/>
+          <a:lstStyle/>
+          <a:p>
+            <a:endParaRPr lang="en-US"/>
+          </a:p>
+        </p:txBody>
+      </p:sp>
+      <p:sp>
+        <p:nvSpPr>
+          <p:cNvPr id="3" name="Inhaltsplatzhalter 2"/>
+          <p:cNvSpPr>
+            <a:spLocks noGrp="1"/>
+          </p:cNvSpPr>
+          <p:nvPr>
+            <p:ph sz="half" idx="12"/>
+          </p:nvPr>
+        </p:nvSpPr>
+        <p:spPr/>
+        <p:txBody>
+          <a:bodyPr/>
+          <a:lstStyle/>
+          <a:p>
+            <a:r>
+              <a:rPr lang="de-DE" dirty="0"/>
+              <a:t>Anachronistisch </a:t>
+            </a:r>
+            <a:endParaRPr lang="de-DE" dirty="0" smtClean="0"/>
+          </a:p>
+          <a:p>
+            <a:r>
+              <a:rPr lang="de-DE" dirty="0" err="1" smtClean="0"/>
+              <a:t>kairotisch</a:t>
+            </a:r>
+            <a:endParaRPr lang="de-DE" dirty="0" smtClean="0"/>
+          </a:p>
+          <a:p>
+            <a:endParaRPr lang="en-US" dirty="0"/>
+          </a:p>
+        </p:txBody>
+      </p:sp>
+      <p:sp>
+        <p:nvSpPr>
+          <p:cNvPr id="4" name="Inhaltsplatzhalter 3"/>
+          <p:cNvSpPr>
+            <a:spLocks noGrp="1"/>
+          </p:cNvSpPr>
+          <p:nvPr>
+            <p:ph sz="half" idx="11"/>
+          </p:nvPr>
+        </p:nvSpPr>
+        <p:spPr/>
+        <p:txBody>
+          <a:bodyPr/>
+          <a:lstStyle/>
+          <a:p>
+            <a:endParaRPr lang="en-US"/>
+          </a:p>
+        </p:txBody>
+      </p:sp>
+    </p:spTree>
+    <p:extLst>
+      <p:ext uri="{BB962C8B-B14F-4D97-AF65-F5344CB8AC3E}">
+        <p14:creationId xmlns:p14="http://schemas.microsoft.com/office/powerpoint/2010/main" val="1413656478"/>
+      </p:ext>
+    </p:extLst>
+  </p:cSld>
+  <p:clrMapOvr>
+    <a:masterClrMapping/>
+  </p:clrMapOvr>
+  <p:timing>
+    <p:tnLst>
+      <p:par>
+        <p:cTn id="1" dur="indefinite" restart="never" nodeType="tmRoot"/>
+      </p:par>
+    </p:tnLst>
+  </p:timing>
+</p:sld>
+</file>
+
+<file path=ppt/slides/slide6.xml><?xml version="1.0" encoding="utf-8"?>
 <p:sld xmlns:a="http://schemas.openxmlformats.org/drawingml/2006/main" xmlns:r="http://schemas.openxmlformats.org/officeDocument/2006/relationships" xmlns:p="http://schemas.openxmlformats.org/presentationml/2006/main">
   <p:cSld>
     <p:spTree>
@@ -4005,7 +4226,7 @@
 </p:sld>
 </file>
 
-<file path=ppt/slides/slide6.xml><?xml version="1.0" encoding="utf-8"?>
+<file path=ppt/slides/slide7.xml><?xml version="1.0" encoding="utf-8"?>
 <p:sld xmlns:a="http://schemas.openxmlformats.org/drawingml/2006/main" xmlns:r="http://schemas.openxmlformats.org/officeDocument/2006/relationships" xmlns:p="http://schemas.openxmlformats.org/presentationml/2006/main">
   <p:cSld>
     <p:spTree>
@@ -4204,7 +4425,7 @@
 </p:sld>
 </file>
 
-<file path=ppt/slides/slide7.xml><?xml version="1.0" encoding="utf-8"?>
+<file path=ppt/slides/slide8.xml><?xml version="1.0" encoding="utf-8"?>
 <p:sld xmlns:a="http://schemas.openxmlformats.org/drawingml/2006/main" xmlns:r="http://schemas.openxmlformats.org/officeDocument/2006/relationships" xmlns:p="http://schemas.openxmlformats.org/presentationml/2006/main">
   <p:cSld>
     <p:spTree>
@@ -4359,7 +4580,7 @@
 </p:sld>
 </file>
 
-<file path=ppt/slides/slide8.xml><?xml version="1.0" encoding="utf-8"?>
+<file path=ppt/slides/slide9.xml><?xml version="1.0" encoding="utf-8"?>
 <p:sld xmlns:a="http://schemas.openxmlformats.org/drawingml/2006/main" xmlns:r="http://schemas.openxmlformats.org/officeDocument/2006/relationships" xmlns:p="http://schemas.openxmlformats.org/presentationml/2006/main">
   <p:cSld>
     <p:spTree>
